--- a/Prostate Cancer Case Study.pptx
+++ b/Prostate Cancer Case Study.pptx
@@ -140,7 +140,7 @@
 <file path=ppt/revisionInfo.xml><?xml version="1.0" encoding="utf-8"?>
 <p1510:revInfo xmlns:a="http://schemas.openxmlformats.org/drawingml/2006/main" xmlns:r="http://schemas.openxmlformats.org/officeDocument/2006/relationships" xmlns:p1510="http://schemas.microsoft.com/office/powerpoint/2015/10/main">
   <p1510:revLst>
-    <p1510:client id="{D4C9F64F-0344-4823-AEC4-C4DC2267046B}" v="422" dt="2025-03-31T17:12:41.128"/>
+    <p1510:client id="{D4C9F64F-0344-4823-AEC4-C4DC2267046B}" v="423" dt="2025-03-31T19:35:08.619"/>
   </p1510:revLst>
 </p1510:revInfo>
 </file>
@@ -150,7 +150,7 @@
   <pc:docChgLst>
     <pc:chgData name="Sharmendra Desiboyina" userId="c9ce8f9f4314e06f" providerId="LiveId" clId="{D4C9F64F-0344-4823-AEC4-C4DC2267046B}"/>
     <pc:docChg chg="undo custSel addSld delSld modSld sldOrd">
-      <pc:chgData name="Sharmendra Desiboyina" userId="c9ce8f9f4314e06f" providerId="LiveId" clId="{D4C9F64F-0344-4823-AEC4-C4DC2267046B}" dt="2025-03-31T17:23:13.761" v="2203" actId="14100"/>
+      <pc:chgData name="Sharmendra Desiboyina" userId="c9ce8f9f4314e06f" providerId="LiveId" clId="{D4C9F64F-0344-4823-AEC4-C4DC2267046B}" dt="2025-03-31T19:38:38.928" v="2211" actId="20577"/>
       <pc:docMkLst>
         <pc:docMk/>
       </pc:docMkLst>
@@ -271,13 +271,13 @@
         </pc:sldMkLst>
       </pc:sldChg>
       <pc:sldChg chg="modSp mod ord">
-        <pc:chgData name="Sharmendra Desiboyina" userId="c9ce8f9f4314e06f" providerId="LiveId" clId="{D4C9F64F-0344-4823-AEC4-C4DC2267046B}" dt="2025-03-31T16:30:58.498" v="1879" actId="1076"/>
+        <pc:chgData name="Sharmendra Desiboyina" userId="c9ce8f9f4314e06f" providerId="LiveId" clId="{D4C9F64F-0344-4823-AEC4-C4DC2267046B}" dt="2025-03-31T19:38:38.928" v="2211" actId="20577"/>
         <pc:sldMkLst>
           <pc:docMk/>
           <pc:sldMk cId="3103683689" sldId="268"/>
         </pc:sldMkLst>
         <pc:spChg chg="mod">
-          <ac:chgData name="Sharmendra Desiboyina" userId="c9ce8f9f4314e06f" providerId="LiveId" clId="{D4C9F64F-0344-4823-AEC4-C4DC2267046B}" dt="2025-03-31T16:30:58.498" v="1879" actId="1076"/>
+          <ac:chgData name="Sharmendra Desiboyina" userId="c9ce8f9f4314e06f" providerId="LiveId" clId="{D4C9F64F-0344-4823-AEC4-C4DC2267046B}" dt="2025-03-31T19:38:38.928" v="2211" actId="20577"/>
           <ac:spMkLst>
             <pc:docMk/>
             <pc:sldMk cId="3103683689" sldId="268"/>
@@ -783,7 +783,7 @@
         </pc:spChg>
       </pc:sldChg>
       <pc:sldChg chg="modSp add mod ord">
-        <pc:chgData name="Sharmendra Desiboyina" userId="c9ce8f9f4314e06f" providerId="LiveId" clId="{D4C9F64F-0344-4823-AEC4-C4DC2267046B}" dt="2025-03-31T16:28:24.077" v="1791" actId="20577"/>
+        <pc:chgData name="Sharmendra Desiboyina" userId="c9ce8f9f4314e06f" providerId="LiveId" clId="{D4C9F64F-0344-4823-AEC4-C4DC2267046B}" dt="2025-03-31T19:35:08.619" v="2207" actId="20577"/>
         <pc:sldMkLst>
           <pc:docMk/>
           <pc:sldMk cId="2763427345" sldId="333"/>
@@ -797,7 +797,7 @@
           </ac:spMkLst>
         </pc:spChg>
         <pc:spChg chg="mod">
-          <ac:chgData name="Sharmendra Desiboyina" userId="c9ce8f9f4314e06f" providerId="LiveId" clId="{D4C9F64F-0344-4823-AEC4-C4DC2267046B}" dt="2025-03-31T16:28:24.077" v="1791" actId="20577"/>
+          <ac:chgData name="Sharmendra Desiboyina" userId="c9ce8f9f4314e06f" providerId="LiveId" clId="{D4C9F64F-0344-4823-AEC4-C4DC2267046B}" dt="2025-03-31T19:35:08.619" v="2207" actId="20577"/>
           <ac:spMkLst>
             <pc:docMk/>
             <pc:sldMk cId="2763427345" sldId="333"/>
@@ -43063,17 +43063,6 @@
           <a:lstStyle/>
           <a:p>
             <a:r>
-              <a:rPr lang="en-US" sz="3200" kern="1200" cap="none" spc="0" baseline="0">
-                <a:solidFill>
-                  <a:schemeClr val="tx1"/>
-                </a:solidFill>
-                <a:latin typeface="+mj-lt"/>
-                <a:ea typeface="+mj-ea"/>
-                <a:cs typeface="+mj-cs"/>
-              </a:rPr>
-              <a:t>Log - Log  </a:t>
-            </a:r>
-            <a:r>
               <a:rPr lang="en-US" sz="3200" kern="1200" cap="none" spc="0" baseline="0" dirty="0">
                 <a:solidFill>
                   <a:schemeClr val="tx1"/>
@@ -43082,7 +43071,7 @@
                 <a:ea typeface="+mj-ea"/>
                 <a:cs typeface="+mj-cs"/>
               </a:rPr>
-              <a:t> Transformation</a:t>
+              <a:t>Log - Log   Transformation</a:t>
             </a:r>
           </a:p>
         </p:txBody>
@@ -44448,150 +44437,223 @@
           </a:p>
         </p:txBody>
       </p:sp>
-      <p:sp>
-        <p:nvSpPr>
-          <p:cNvPr id="12" name="Content Placeholder 11">
-            <a:extLst>
-              <a:ext uri="{FF2B5EF4-FFF2-40B4-BE49-F238E27FC236}">
-                <a16:creationId xmlns:a16="http://schemas.microsoft.com/office/drawing/2014/main" id="{ECA96838-2CDA-94D4-D5EB-CA2815B2104A}"/>
-              </a:ext>
-            </a:extLst>
-          </p:cNvPr>
-          <p:cNvSpPr>
-            <a:spLocks noGrp="1"/>
-          </p:cNvSpPr>
-          <p:nvPr>
-            <p:ph sz="half" idx="12"/>
-          </p:nvPr>
-        </p:nvSpPr>
-        <p:spPr>
-          <a:xfrm>
-            <a:off x="568164" y="2028636"/>
-            <a:ext cx="10749807" cy="4281330"/>
-          </a:xfrm>
-        </p:spPr>
-        <p:txBody>
-          <a:bodyPr>
-            <a:normAutofit/>
-          </a:bodyPr>
-          <a:lstStyle/>
-          <a:p>
-            <a:pPr algn="l">
-              <a:buFont typeface="+mj-lt"/>
-              <a:buAutoNum type="arabicPeriod"/>
-            </a:pPr>
-            <a:r>
-              <a:rPr lang="en-US" b="0" i="0" dirty="0">
-                <a:effectLst/>
-                <a:latin typeface="Avenir Next LT Pro (Body)"/>
-              </a:rPr>
-              <a:t> Fit Metrics:</a:t>
-            </a:r>
-          </a:p>
-          <a:p>
-            <a:pPr marL="742950" lvl="1" indent="-285750" algn="l">
-              <a:buFont typeface="Arial" panose="020B0604020202020204" pitchFamily="34" charset="0"/>
-              <a:buChar char="•"/>
-            </a:pPr>
-            <a:r>
-              <a:rPr lang="en-US" b="0" i="0" dirty="0">
-                <a:effectLst/>
-                <a:latin typeface="Avenir Next LT Pro (Body)"/>
-              </a:rPr>
-              <a:t>Adjusted R2</a:t>
-            </a:r>
-            <a:r>
-              <a:rPr lang="en-US" b="0" i="1" dirty="0">
-                <a:effectLst/>
-                <a:latin typeface="Avenir Next LT Pro (Body)"/>
-              </a:rPr>
-              <a:t>R</a:t>
-            </a:r>
-            <a:r>
-              <a:rPr lang="en-US" b="0" i="0" dirty="0">
-                <a:effectLst/>
-                <a:latin typeface="Avenir Next LT Pro (Body)"/>
-              </a:rPr>
-              <a:t>2 = 0.51, indicating that the model explains 51% of the variability in PSA levels.</a:t>
-            </a:r>
-          </a:p>
-          <a:p>
-            <a:pPr marL="742950" lvl="1" indent="-285750" algn="l">
-              <a:buFont typeface="Arial" panose="020B0604020202020204" pitchFamily="34" charset="0"/>
-              <a:buChar char="•"/>
-            </a:pPr>
-            <a:r>
-              <a:rPr lang="en-US" b="0" i="0" dirty="0">
-                <a:effectLst/>
-                <a:latin typeface="Avenir Next LT Pro (Body)"/>
-              </a:rPr>
-              <a:t>Residual Standard Error (RSE) = 0.734, indicating good predictive accuracy.</a:t>
-            </a:r>
-          </a:p>
-          <a:p>
-            <a:pPr algn="l">
-              <a:buFont typeface="+mj-lt"/>
-              <a:buAutoNum type="arabicPeriod"/>
-            </a:pPr>
-            <a:r>
-              <a:rPr lang="en-US" b="0" i="0" dirty="0">
-                <a:effectLst/>
-                <a:latin typeface="Avenir Next LT Pro (Body)"/>
-              </a:rPr>
-              <a:t> Adherence to Assumptions:</a:t>
-            </a:r>
-          </a:p>
-          <a:p>
-            <a:pPr marL="742950" lvl="1" indent="-285750" algn="l">
-              <a:buFont typeface="Arial" panose="020B0604020202020204" pitchFamily="34" charset="0"/>
-              <a:buChar char="•"/>
-            </a:pPr>
-            <a:r>
-              <a:rPr lang="en-US" b="0" i="0" dirty="0">
-                <a:effectLst/>
-                <a:latin typeface="Avenir Next LT Pro (Body)"/>
-              </a:rPr>
-              <a:t>Diagnostic plots show improved homoscedasticity (constant variance) and normality of residuals.</a:t>
-            </a:r>
-          </a:p>
-          <a:p>
-            <a:pPr algn="l">
-              <a:buFont typeface="+mj-lt"/>
-              <a:buAutoNum type="arabicPeriod"/>
-            </a:pPr>
-            <a:r>
-              <a:rPr lang="en-US" b="0" i="0" dirty="0">
-                <a:effectLst/>
-                <a:latin typeface="Avenir Next LT Pro (Body)"/>
-              </a:rPr>
-              <a:t> Interpretability:</a:t>
-            </a:r>
-          </a:p>
-          <a:p>
-            <a:pPr marL="742950" lvl="1" indent="-285750" algn="l">
-              <a:buFont typeface="Arial" panose="020B0604020202020204" pitchFamily="34" charset="0"/>
-              <a:buChar char="•"/>
-            </a:pPr>
-            <a:r>
-              <a:rPr lang="en-US" i="0" dirty="0">
-                <a:latin typeface="Avenir Next LT Pro (Body)"/>
-              </a:rPr>
-              <a:t>A 1% increase in cancer volume leads to an approximate 0.646% increase in PSA</a:t>
-            </a:r>
-            <a:endParaRPr lang="en-US" b="0" i="0" dirty="0">
-              <a:effectLst/>
-              <a:latin typeface="Avenir Next LT Pro (Body)"/>
-            </a:endParaRPr>
-          </a:p>
-          <a:p>
-            <a:pPr marL="457200" lvl="1" indent="0" algn="l"/>
-            <a:endParaRPr lang="en-US" b="0" i="0" dirty="0">
-              <a:effectLst/>
-              <a:latin typeface="Avenir Next LT Pro (Body)"/>
-            </a:endParaRPr>
-          </a:p>
-        </p:txBody>
-      </p:sp>
+      <mc:AlternateContent xmlns:mc="http://schemas.openxmlformats.org/markup-compatibility/2006">
+        <mc:Choice xmlns:a14="http://schemas.microsoft.com/office/drawing/2010/main" Requires="a14">
+          <p:sp>
+            <p:nvSpPr>
+              <p:cNvPr id="12" name="Content Placeholder 11">
+                <a:extLst>
+                  <a:ext uri="{FF2B5EF4-FFF2-40B4-BE49-F238E27FC236}">
+                    <a16:creationId xmlns:a16="http://schemas.microsoft.com/office/drawing/2014/main" id="{ECA96838-2CDA-94D4-D5EB-CA2815B2104A}"/>
+                  </a:ext>
+                </a:extLst>
+              </p:cNvPr>
+              <p:cNvSpPr>
+                <a:spLocks noGrp="1"/>
+              </p:cNvSpPr>
+              <p:nvPr>
+                <p:ph sz="half" idx="12"/>
+              </p:nvPr>
+            </p:nvSpPr>
+            <p:spPr>
+              <a:xfrm>
+                <a:off x="568164" y="2028636"/>
+                <a:ext cx="10749807" cy="4281330"/>
+              </a:xfrm>
+            </p:spPr>
+            <p:txBody>
+              <a:bodyPr>
+                <a:normAutofit/>
+              </a:bodyPr>
+              <a:lstStyle/>
+              <a:p>
+                <a:pPr algn="l">
+                  <a:buFont typeface="+mj-lt"/>
+                  <a:buAutoNum type="arabicPeriod"/>
+                </a:pPr>
+                <a:r>
+                  <a:rPr lang="en-US" b="0" i="0" dirty="0">
+                    <a:effectLst/>
+                    <a:latin typeface="Avenir Next LT Pro (Body)"/>
+                  </a:rPr>
+                  <a:t> Fit Metrics:</a:t>
+                </a:r>
+              </a:p>
+              <a:p>
+                <a:pPr marL="742950" lvl="1" indent="-285750" algn="l">
+                  <a:buFont typeface="Arial" panose="020B0604020202020204" pitchFamily="34" charset="0"/>
+                  <a:buChar char="•"/>
+                </a:pPr>
+                <a:r>
+                  <a:rPr lang="en-US" b="0" i="0" dirty="0">
+                    <a:effectLst/>
+                    <a:latin typeface="Avenir Next LT Pro (Body)"/>
+                  </a:rPr>
+                  <a:t>Adjusted </a:t>
+                </a:r>
+                <a:r>
+                  <a:rPr lang="en-US" sz="1800" dirty="0"/>
+                  <a:t> </a:t>
+                </a:r>
+                <a14:m>
+                  <m:oMath xmlns:m="http://schemas.openxmlformats.org/officeDocument/2006/math">
+                    <m:sSup>
+                      <m:sSupPr>
+                        <m:ctrlPr>
+                          <a:rPr lang="en-US" sz="1800" i="1" dirty="0">
+                            <a:latin typeface="Cambria Math" panose="02040503050406030204" pitchFamily="18" charset="0"/>
+                          </a:rPr>
+                        </m:ctrlPr>
+                      </m:sSupPr>
+                      <m:e>
+                        <m:r>
+                          <a:rPr lang="en-US" sz="1800" b="0" i="1" dirty="0">
+                            <a:latin typeface="Cambria Math" panose="02040503050406030204" pitchFamily="18" charset="0"/>
+                          </a:rPr>
+                          <m:t>𝑅</m:t>
+                        </m:r>
+                      </m:e>
+                      <m:sup>
+                        <m:r>
+                          <a:rPr lang="en-US" sz="1800" b="0" i="1" dirty="0">
+                            <a:latin typeface="Cambria Math" panose="02040503050406030204" pitchFamily="18" charset="0"/>
+                          </a:rPr>
+                          <m:t>2</m:t>
+                        </m:r>
+                      </m:sup>
+                    </m:sSup>
+                  </m:oMath>
+                </a14:m>
+                <a:r>
+                  <a:rPr lang="en-US" b="0" i="0" dirty="0">
+                    <a:effectLst/>
+                    <a:latin typeface="Avenir Next LT Pro (Body)"/>
+                  </a:rPr>
+                  <a:t> = 0.51, indicating that the model explains 51% of the variability in PSA levels.</a:t>
+                </a:r>
+              </a:p>
+              <a:p>
+                <a:pPr marL="742950" lvl="1" indent="-285750" algn="l">
+                  <a:buFont typeface="Arial" panose="020B0604020202020204" pitchFamily="34" charset="0"/>
+                  <a:buChar char="•"/>
+                </a:pPr>
+                <a:r>
+                  <a:rPr lang="en-US" b="0" i="0" dirty="0">
+                    <a:effectLst/>
+                    <a:latin typeface="Avenir Next LT Pro (Body)"/>
+                  </a:rPr>
+                  <a:t>Residual Standard Error (RSE) = 0.734, indicating good predictive accuracy.</a:t>
+                </a:r>
+              </a:p>
+              <a:p>
+                <a:pPr algn="l">
+                  <a:buFont typeface="+mj-lt"/>
+                  <a:buAutoNum type="arabicPeriod"/>
+                </a:pPr>
+                <a:r>
+                  <a:rPr lang="en-US" b="0" i="0" dirty="0">
+                    <a:effectLst/>
+                    <a:latin typeface="Avenir Next LT Pro (Body)"/>
+                  </a:rPr>
+                  <a:t> Adherence to Assumptions:</a:t>
+                </a:r>
+              </a:p>
+              <a:p>
+                <a:pPr marL="742950" lvl="1" indent="-285750" algn="l">
+                  <a:buFont typeface="Arial" panose="020B0604020202020204" pitchFamily="34" charset="0"/>
+                  <a:buChar char="•"/>
+                </a:pPr>
+                <a:r>
+                  <a:rPr lang="en-US" b="0" i="0" dirty="0">
+                    <a:effectLst/>
+                    <a:latin typeface="Avenir Next LT Pro (Body)"/>
+                  </a:rPr>
+                  <a:t>Diagnostic plots show improved homoscedasticity (constant variance) and normality of residuals.</a:t>
+                </a:r>
+              </a:p>
+              <a:p>
+                <a:pPr algn="l">
+                  <a:buFont typeface="+mj-lt"/>
+                  <a:buAutoNum type="arabicPeriod"/>
+                </a:pPr>
+                <a:r>
+                  <a:rPr lang="en-US" b="0" i="0" dirty="0">
+                    <a:effectLst/>
+                    <a:latin typeface="Avenir Next LT Pro (Body)"/>
+                  </a:rPr>
+                  <a:t> Interpretability:</a:t>
+                </a:r>
+              </a:p>
+              <a:p>
+                <a:pPr marL="742950" lvl="1" indent="-285750" algn="l">
+                  <a:buFont typeface="Arial" panose="020B0604020202020204" pitchFamily="34" charset="0"/>
+                  <a:buChar char="•"/>
+                </a:pPr>
+                <a:r>
+                  <a:rPr lang="en-US" i="0" dirty="0">
+                    <a:latin typeface="Avenir Next LT Pro (Body)"/>
+                  </a:rPr>
+                  <a:t>A 1% increase in cancer volume leads to an approximate 0.646% increase in PSA</a:t>
+                </a:r>
+                <a:endParaRPr lang="en-US" b="0" i="0" dirty="0">
+                  <a:effectLst/>
+                  <a:latin typeface="Avenir Next LT Pro (Body)"/>
+                </a:endParaRPr>
+              </a:p>
+              <a:p>
+                <a:pPr marL="457200" lvl="1" indent="0" algn="l"/>
+                <a:endParaRPr lang="en-US" b="0" i="0" dirty="0">
+                  <a:effectLst/>
+                  <a:latin typeface="Avenir Next LT Pro (Body)"/>
+                </a:endParaRPr>
+              </a:p>
+            </p:txBody>
+          </p:sp>
+        </mc:Choice>
+        <mc:Fallback>
+          <p:sp>
+            <p:nvSpPr>
+              <p:cNvPr id="12" name="Content Placeholder 11">
+                <a:extLst>
+                  <a:ext uri="{FF2B5EF4-FFF2-40B4-BE49-F238E27FC236}">
+                    <a16:creationId xmlns:a16="http://schemas.microsoft.com/office/drawing/2014/main" id="{ECA96838-2CDA-94D4-D5EB-CA2815B2104A}"/>
+                  </a:ext>
+                </a:extLst>
+              </p:cNvPr>
+              <p:cNvSpPr>
+                <a:spLocks noGrp="1" noRot="1" noChangeAspect="1" noMove="1" noResize="1" noEditPoints="1" noAdjustHandles="1" noChangeArrowheads="1" noChangeShapeType="1" noTextEdit="1"/>
+              </p:cNvSpPr>
+              <p:nvPr>
+                <p:ph sz="half" idx="12"/>
+              </p:nvPr>
+            </p:nvSpPr>
+            <p:spPr>
+              <a:xfrm>
+                <a:off x="568164" y="2028636"/>
+                <a:ext cx="10749807" cy="4281330"/>
+              </a:xfrm>
+              <a:blipFill>
+                <a:blip r:embed="rId3"/>
+                <a:stretch>
+                  <a:fillRect l="-1361"/>
+                </a:stretch>
+              </a:blipFill>
+            </p:spPr>
+            <p:txBody>
+              <a:bodyPr/>
+              <a:lstStyle/>
+              <a:p>
+                <a:r>
+                  <a:rPr lang="en-US">
+                    <a:noFill/>
+                  </a:rPr>
+                  <a:t> </a:t>
+                </a:r>
+              </a:p>
+            </p:txBody>
+          </p:sp>
+        </mc:Fallback>
+      </mc:AlternateContent>
     </p:spTree>
     <p:extLst>
       <p:ext uri="{BB962C8B-B14F-4D97-AF65-F5344CB8AC3E}">
@@ -45017,7 +45079,7 @@
           <a:p>
             <a:r>
               <a:rPr lang="en-US" dirty="0"/>
-              <a:t>M. Varsha</a:t>
+              <a:t>M. Sri Varsha</a:t>
             </a:r>
           </a:p>
         </p:txBody>
@@ -47078,7 +47140,7 @@
           <a:lstStyle/>
           <a:p>
             <a:r>
-              <a:rPr lang="en-US" sz="3200" kern="1200" cap="none" spc="0" baseline="0">
+              <a:rPr lang="en-US" sz="3200" kern="1200" cap="none" spc="0" baseline="0" dirty="0">
                 <a:solidFill>
                   <a:schemeClr val="tx1"/>
                 </a:solidFill>
@@ -47088,14 +47150,6 @@
               </a:rPr>
               <a:t>Log Transformation of PSA</a:t>
             </a:r>
-            <a:endParaRPr lang="en-US" sz="3200" kern="1200" cap="none" spc="0" baseline="0" dirty="0">
-              <a:solidFill>
-                <a:schemeClr val="tx1"/>
-              </a:solidFill>
-              <a:latin typeface="+mj-lt"/>
-              <a:ea typeface="+mj-ea"/>
-              <a:cs typeface="+mj-cs"/>
-            </a:endParaRPr>
           </a:p>
         </p:txBody>
       </p:sp>
